--- a/底圖.pptx
+++ b/底圖.pptx
@@ -105,6 +105,11 @@
       </a:defRPr>
     </a:lvl9pPr>
   </p:defaultTextStyle>
+  <p:extLst>
+    <p:ext uri="{EFAFB233-063F-42B5-8137-9DF3F51BA10A}">
+      <p15:sldGuideLst xmlns:p15="http://schemas.microsoft.com/office/powerpoint/2012/main"/>
+    </p:ext>
+  </p:extLst>
 </p:presentation>
 </file>
 
@@ -255,7 +260,7 @@
           <a:p>
             <a:fld id="{3C2709DE-FEBB-40D0-A90F-F3B9D87A3F0A}" type="datetimeFigureOut">
               <a:rPr lang="zh-TW" altLang="en-US" smtClean="0"/>
-              <a:t>2020/12/17</a:t>
+              <a:t>2020/12/24</a:t>
             </a:fld>
             <a:endParaRPr lang="zh-TW" altLang="en-US"/>
           </a:p>
@@ -453,7 +458,7 @@
           <a:p>
             <a:fld id="{3C2709DE-FEBB-40D0-A90F-F3B9D87A3F0A}" type="datetimeFigureOut">
               <a:rPr lang="zh-TW" altLang="en-US" smtClean="0"/>
-              <a:t>2020/12/17</a:t>
+              <a:t>2020/12/24</a:t>
             </a:fld>
             <a:endParaRPr lang="zh-TW" altLang="en-US"/>
           </a:p>
@@ -661,7 +666,7 @@
           <a:p>
             <a:fld id="{3C2709DE-FEBB-40D0-A90F-F3B9D87A3F0A}" type="datetimeFigureOut">
               <a:rPr lang="zh-TW" altLang="en-US" smtClean="0"/>
-              <a:t>2020/12/17</a:t>
+              <a:t>2020/12/24</a:t>
             </a:fld>
             <a:endParaRPr lang="zh-TW" altLang="en-US"/>
           </a:p>
@@ -859,7 +864,7 @@
           <a:p>
             <a:fld id="{3C2709DE-FEBB-40D0-A90F-F3B9D87A3F0A}" type="datetimeFigureOut">
               <a:rPr lang="zh-TW" altLang="en-US" smtClean="0"/>
-              <a:t>2020/12/17</a:t>
+              <a:t>2020/12/24</a:t>
             </a:fld>
             <a:endParaRPr lang="zh-TW" altLang="en-US"/>
           </a:p>
@@ -1134,7 +1139,7 @@
           <a:p>
             <a:fld id="{3C2709DE-FEBB-40D0-A90F-F3B9D87A3F0A}" type="datetimeFigureOut">
               <a:rPr lang="zh-TW" altLang="en-US" smtClean="0"/>
-              <a:t>2020/12/17</a:t>
+              <a:t>2020/12/24</a:t>
             </a:fld>
             <a:endParaRPr lang="zh-TW" altLang="en-US"/>
           </a:p>
@@ -1399,7 +1404,7 @@
           <a:p>
             <a:fld id="{3C2709DE-FEBB-40D0-A90F-F3B9D87A3F0A}" type="datetimeFigureOut">
               <a:rPr lang="zh-TW" altLang="en-US" smtClean="0"/>
-              <a:t>2020/12/17</a:t>
+              <a:t>2020/12/24</a:t>
             </a:fld>
             <a:endParaRPr lang="zh-TW" altLang="en-US"/>
           </a:p>
@@ -1811,7 +1816,7 @@
           <a:p>
             <a:fld id="{3C2709DE-FEBB-40D0-A90F-F3B9D87A3F0A}" type="datetimeFigureOut">
               <a:rPr lang="zh-TW" altLang="en-US" smtClean="0"/>
-              <a:t>2020/12/17</a:t>
+              <a:t>2020/12/24</a:t>
             </a:fld>
             <a:endParaRPr lang="zh-TW" altLang="en-US"/>
           </a:p>
@@ -1952,7 +1957,7 @@
           <a:p>
             <a:fld id="{3C2709DE-FEBB-40D0-A90F-F3B9D87A3F0A}" type="datetimeFigureOut">
               <a:rPr lang="zh-TW" altLang="en-US" smtClean="0"/>
-              <a:t>2020/12/17</a:t>
+              <a:t>2020/12/24</a:t>
             </a:fld>
             <a:endParaRPr lang="zh-TW" altLang="en-US"/>
           </a:p>
@@ -2065,7 +2070,7 @@
           <a:p>
             <a:fld id="{3C2709DE-FEBB-40D0-A90F-F3B9D87A3F0A}" type="datetimeFigureOut">
               <a:rPr lang="zh-TW" altLang="en-US" smtClean="0"/>
-              <a:t>2020/12/17</a:t>
+              <a:t>2020/12/24</a:t>
             </a:fld>
             <a:endParaRPr lang="zh-TW" altLang="en-US"/>
           </a:p>
@@ -2376,7 +2381,7 @@
           <a:p>
             <a:fld id="{3C2709DE-FEBB-40D0-A90F-F3B9D87A3F0A}" type="datetimeFigureOut">
               <a:rPr lang="zh-TW" altLang="en-US" smtClean="0"/>
-              <a:t>2020/12/17</a:t>
+              <a:t>2020/12/24</a:t>
             </a:fld>
             <a:endParaRPr lang="zh-TW" altLang="en-US"/>
           </a:p>
@@ -2664,7 +2669,7 @@
           <a:p>
             <a:fld id="{3C2709DE-FEBB-40D0-A90F-F3B9D87A3F0A}" type="datetimeFigureOut">
               <a:rPr lang="zh-TW" altLang="en-US" smtClean="0"/>
-              <a:t>2020/12/17</a:t>
+              <a:t>2020/12/24</a:t>
             </a:fld>
             <a:endParaRPr lang="zh-TW" altLang="en-US"/>
           </a:p>
@@ -2905,7 +2910,7 @@
           <a:p>
             <a:fld id="{3C2709DE-FEBB-40D0-A90F-F3B9D87A3F0A}" type="datetimeFigureOut">
               <a:rPr lang="zh-TW" altLang="en-US" smtClean="0"/>
-              <a:t>2020/12/17</a:t>
+              <a:t>2020/12/24</a:t>
             </a:fld>
             <a:endParaRPr lang="zh-TW" altLang="en-US"/>
           </a:p>
@@ -3324,10 +3329,10 @@
       </p:grpSpPr>
       <p:grpSp>
         <p:nvGrpSpPr>
-          <p:cNvPr id="64" name="群組 63">
-            <a:extLst>
-              <a:ext uri="{FF2B5EF4-FFF2-40B4-BE49-F238E27FC236}">
-                <a16:creationId xmlns:a16="http://schemas.microsoft.com/office/drawing/2014/main" id="{2726AD20-2103-4099-8C21-099FDFDD9259}"/>
+          <p:cNvPr id="4" name="群組 3">
+            <a:extLst>
+              <a:ext uri="{FF2B5EF4-FFF2-40B4-BE49-F238E27FC236}">
+                <a16:creationId xmlns:a16="http://schemas.microsoft.com/office/drawing/2014/main" id="{603BF075-3708-4213-999E-65130F938DF6}"/>
               </a:ext>
             </a:extLst>
           </p:cNvPr>
@@ -3338,16 +3343,16 @@
           <a:xfrm>
             <a:off x="238125" y="400331"/>
             <a:ext cx="12457683" cy="6456511"/>
-            <a:chOff x="0" y="200165"/>
+            <a:chOff x="238125" y="400331"/>
             <a:chExt cx="12457683" cy="6456511"/>
           </a:xfrm>
         </p:grpSpPr>
         <p:grpSp>
           <p:nvGrpSpPr>
-            <p:cNvPr id="17" name="群組 16">
+            <p:cNvPr id="64" name="群組 63">
               <a:extLst>
                 <a:ext uri="{FF2B5EF4-FFF2-40B4-BE49-F238E27FC236}">
-                  <a16:creationId xmlns:a16="http://schemas.microsoft.com/office/drawing/2014/main" id="{7AAC4980-8D50-4976-AE13-DB14A5DBA280}"/>
+                  <a16:creationId xmlns:a16="http://schemas.microsoft.com/office/drawing/2014/main" id="{2726AD20-2103-4099-8C21-099FDFDD9259}"/>
                 </a:ext>
               </a:extLst>
             </p:cNvPr>
@@ -3356,18 +3361,910 @@
           </p:nvGrpSpPr>
           <p:grpSpPr>
             <a:xfrm>
-              <a:off x="0" y="200166"/>
-              <a:ext cx="7228461" cy="6428828"/>
-              <a:chOff x="1022406" y="89055"/>
-              <a:chExt cx="7228461" cy="6428828"/>
+              <a:off x="238125" y="400331"/>
+              <a:ext cx="12457683" cy="6456511"/>
+              <a:chOff x="0" y="200165"/>
+              <a:chExt cx="12457683" cy="6456511"/>
             </a:xfrm>
           </p:grpSpPr>
+          <p:grpSp>
+            <p:nvGrpSpPr>
+              <p:cNvPr id="17" name="群組 16">
+                <a:extLst>
+                  <a:ext uri="{FF2B5EF4-FFF2-40B4-BE49-F238E27FC236}">
+                    <a16:creationId xmlns:a16="http://schemas.microsoft.com/office/drawing/2014/main" id="{7AAC4980-8D50-4976-AE13-DB14A5DBA280}"/>
+                  </a:ext>
+                </a:extLst>
+              </p:cNvPr>
+              <p:cNvGrpSpPr/>
+              <p:nvPr/>
+            </p:nvGrpSpPr>
+            <p:grpSpPr>
+              <a:xfrm>
+                <a:off x="0" y="200166"/>
+                <a:ext cx="7228461" cy="6428828"/>
+                <a:chOff x="1022406" y="89055"/>
+                <a:chExt cx="7228461" cy="6428828"/>
+              </a:xfrm>
+            </p:grpSpPr>
+            <p:pic>
+              <p:nvPicPr>
+                <p:cNvPr id="9" name="圖片 8">
+                  <a:extLst>
+                    <a:ext uri="{FF2B5EF4-FFF2-40B4-BE49-F238E27FC236}">
+                      <a16:creationId xmlns:a16="http://schemas.microsoft.com/office/drawing/2014/main" id="{670D3176-275B-400F-BE23-02D2E7252D91}"/>
+                    </a:ext>
+                  </a:extLst>
+                </p:cNvPr>
+                <p:cNvPicPr>
+                  <a:picLocks noChangeAspect="1"/>
+                </p:cNvPicPr>
+                <p:nvPr/>
+              </p:nvPicPr>
+              <p:blipFill rotWithShape="1">
+                <a:blip r:embed="rId2">
+                  <a:clrChange>
+                    <a:clrFrom>
+                      <a:srgbClr val="CDEBEB"/>
+                    </a:clrFrom>
+                    <a:clrTo>
+                      <a:srgbClr val="CDEBEB">
+                        <a:alpha val="0"/>
+                      </a:srgbClr>
+                    </a:clrTo>
+                  </a:clrChange>
+                  <a:extLst>
+                    <a:ext uri="{BEBA8EAE-BF5A-486C-A8C5-ECC9F3942E4B}">
+                      <a14:imgProps xmlns:a14="http://schemas.microsoft.com/office/drawing/2010/main">
+                        <a14:imgLayer r:embed="rId3">
+                          <a14:imgEffect>
+                            <a14:artisticTexturizer/>
+                          </a14:imgEffect>
+                          <a14:imgEffect>
+                            <a14:colorTemperature colorTemp="6571"/>
+                          </a14:imgEffect>
+                          <a14:imgEffect>
+                            <a14:saturation sat="142000"/>
+                          </a14:imgEffect>
+                          <a14:imgEffect>
+                            <a14:brightnessContrast contrast="-40000"/>
+                          </a14:imgEffect>
+                        </a14:imgLayer>
+                      </a14:imgProps>
+                    </a:ext>
+                    <a:ext uri="{28A0092B-C50C-407E-A947-70E740481C1C}">
+                      <a14:useLocalDpi xmlns:a14="http://schemas.microsoft.com/office/drawing/2010/main" val="0"/>
+                    </a:ext>
+                  </a:extLst>
+                </a:blip>
+                <a:srcRect t="-129" b="65828"/>
+                <a:stretch/>
+              </p:blipFill>
+              <p:spPr>
+                <a:xfrm>
+                  <a:off x="1022406" y="89055"/>
+                  <a:ext cx="7228461" cy="2352394"/>
+                </a:xfrm>
+                <a:prstGeom prst="rect">
+                  <a:avLst/>
+                </a:prstGeom>
+              </p:spPr>
+            </p:pic>
+            <p:pic>
+              <p:nvPicPr>
+                <p:cNvPr id="10" name="圖片 9">
+                  <a:extLst>
+                    <a:ext uri="{FF2B5EF4-FFF2-40B4-BE49-F238E27FC236}">
+                      <a16:creationId xmlns:a16="http://schemas.microsoft.com/office/drawing/2014/main" id="{AFFE19DF-AED1-4051-B71A-CFB42AF3B9BE}"/>
+                    </a:ext>
+                  </a:extLst>
+                </p:cNvPr>
+                <p:cNvPicPr>
+                  <a:picLocks noChangeAspect="1"/>
+                </p:cNvPicPr>
+                <p:nvPr/>
+              </p:nvPicPr>
+              <p:blipFill rotWithShape="1">
+                <a:blip r:embed="rId4">
+                  <a:extLst>
+                    <a:ext uri="{BEBA8EAE-BF5A-486C-A8C5-ECC9F3942E4B}">
+                      <a14:imgProps xmlns:a14="http://schemas.microsoft.com/office/drawing/2010/main">
+                        <a14:imgLayer r:embed="rId3">
+                          <a14:imgEffect>
+                            <a14:artisticTexturizer/>
+                          </a14:imgEffect>
+                          <a14:imgEffect>
+                            <a14:colorTemperature colorTemp="6571"/>
+                          </a14:imgEffect>
+                          <a14:imgEffect>
+                            <a14:saturation sat="142000"/>
+                          </a14:imgEffect>
+                          <a14:imgEffect>
+                            <a14:brightnessContrast bright="-17000" contrast="40000"/>
+                          </a14:imgEffect>
+                        </a14:imgLayer>
+                      </a14:imgProps>
+                    </a:ext>
+                    <a:ext uri="{28A0092B-C50C-407E-A947-70E740481C1C}">
+                      <a14:useLocalDpi xmlns:a14="http://schemas.microsoft.com/office/drawing/2010/main" val="0"/>
+                    </a:ext>
+                  </a:extLst>
+                </a:blip>
+                <a:srcRect l="810" t="34406" r="395" b="27398"/>
+                <a:stretch/>
+              </p:blipFill>
+              <p:spPr>
+                <a:xfrm>
+                  <a:off x="1022406" y="2421890"/>
+                  <a:ext cx="7228458" cy="2619375"/>
+                </a:xfrm>
+                <a:prstGeom prst="rect">
+                  <a:avLst/>
+                </a:prstGeom>
+              </p:spPr>
+            </p:pic>
+            <p:pic>
+              <p:nvPicPr>
+                <p:cNvPr id="11" name="圖片 10">
+                  <a:extLst>
+                    <a:ext uri="{FF2B5EF4-FFF2-40B4-BE49-F238E27FC236}">
+                      <a16:creationId xmlns:a16="http://schemas.microsoft.com/office/drawing/2014/main" id="{26B6F775-5DA3-457A-8F46-69B93D415373}"/>
+                    </a:ext>
+                  </a:extLst>
+                </p:cNvPr>
+                <p:cNvPicPr>
+                  <a:picLocks noChangeAspect="1"/>
+                </p:cNvPicPr>
+                <p:nvPr/>
+              </p:nvPicPr>
+              <p:blipFill rotWithShape="1">
+                <a:blip r:embed="rId5">
+                  <a:extLst>
+                    <a:ext uri="{BEBA8EAE-BF5A-486C-A8C5-ECC9F3942E4B}">
+                      <a14:imgProps xmlns:a14="http://schemas.microsoft.com/office/drawing/2010/main">
+                        <a14:imgLayer r:embed="rId3">
+                          <a14:imgEffect>
+                            <a14:artisticTexturizer/>
+                          </a14:imgEffect>
+                          <a14:imgEffect>
+                            <a14:colorTemperature colorTemp="6571"/>
+                          </a14:imgEffect>
+                          <a14:imgEffect>
+                            <a14:saturation sat="142000"/>
+                          </a14:imgEffect>
+                          <a14:imgEffect>
+                            <a14:brightnessContrast bright="-20000"/>
+                          </a14:imgEffect>
+                        </a14:imgLayer>
+                      </a14:imgProps>
+                    </a:ext>
+                    <a:ext uri="{28A0092B-C50C-407E-A947-70E740481C1C}">
+                      <a14:useLocalDpi xmlns:a14="http://schemas.microsoft.com/office/drawing/2010/main" val="0"/>
+                    </a:ext>
+                  </a:extLst>
+                </a:blip>
+                <a:srcRect t="78018" b="316"/>
+                <a:stretch/>
+              </p:blipFill>
+              <p:spPr>
+                <a:xfrm>
+                  <a:off x="1022408" y="5031984"/>
+                  <a:ext cx="7228459" cy="1485899"/>
+                </a:xfrm>
+                <a:prstGeom prst="rect">
+                  <a:avLst/>
+                </a:prstGeom>
+              </p:spPr>
+            </p:pic>
+          </p:grpSp>
           <p:pic>
             <p:nvPicPr>
-              <p:cNvPr id="9" name="圖片 8">
+              <p:cNvPr id="19" name="圖片 18">
                 <a:extLst>
                   <a:ext uri="{FF2B5EF4-FFF2-40B4-BE49-F238E27FC236}">
-                    <a16:creationId xmlns:a16="http://schemas.microsoft.com/office/drawing/2014/main" id="{670D3176-275B-400F-BE23-02D2E7252D91}"/>
+                    <a16:creationId xmlns:a16="http://schemas.microsoft.com/office/drawing/2014/main" id="{FC9ADBC9-AA7A-4A34-B578-01EB73099A2F}"/>
+                  </a:ext>
+                </a:extLst>
+              </p:cNvPr>
+              <p:cNvPicPr>
+                <a:picLocks noChangeAspect="1"/>
+              </p:cNvPicPr>
+              <p:nvPr/>
+            </p:nvPicPr>
+            <p:blipFill>
+              <a:blip r:embed="rId6">
+                <a:extLst>
+                  <a:ext uri="{28A0092B-C50C-407E-A947-70E740481C1C}">
+                    <a14:useLocalDpi xmlns:a14="http://schemas.microsoft.com/office/drawing/2010/main" val="0"/>
+                  </a:ext>
+                </a:extLst>
+              </a:blip>
+              <a:stretch>
+                <a:fillRect/>
+              </a:stretch>
+            </p:blipFill>
+            <p:spPr>
+              <a:xfrm>
+                <a:off x="573546" y="4320747"/>
+                <a:ext cx="276264" cy="905001"/>
+              </a:xfrm>
+              <a:prstGeom prst="rect">
+                <a:avLst/>
+              </a:prstGeom>
+            </p:spPr>
+          </p:pic>
+          <p:sp>
+            <p:nvSpPr>
+              <p:cNvPr id="25" name="矩形 24">
+                <a:extLst>
+                  <a:ext uri="{FF2B5EF4-FFF2-40B4-BE49-F238E27FC236}">
+                    <a16:creationId xmlns:a16="http://schemas.microsoft.com/office/drawing/2014/main" id="{AEAF34AB-7068-430C-8F66-FBF8BE62F798}"/>
+                  </a:ext>
+                </a:extLst>
+              </p:cNvPr>
+              <p:cNvSpPr/>
+              <p:nvPr/>
+            </p:nvSpPr>
+            <p:spPr>
+              <a:xfrm>
+                <a:off x="1247831" y="1097645"/>
+                <a:ext cx="5032147" cy="923330"/>
+              </a:xfrm>
+              <a:prstGeom prst="rect">
+                <a:avLst/>
+              </a:prstGeom>
+              <a:noFill/>
+            </p:spPr>
+            <p:txBody>
+              <a:bodyPr wrap="none" lIns="91440" tIns="45720" rIns="91440" bIns="45720">
+                <a:spAutoFit/>
+              </a:bodyPr>
+              <a:lstStyle/>
+              <a:p>
+                <a:pPr algn="ctr"/>
+                <a:r>
+                  <a:rPr lang="zh-TW" altLang="en-US" sz="5400" b="1" dirty="0">
+                    <a:ln w="12700">
+                      <a:solidFill>
+                        <a:schemeClr val="accent5"/>
+                      </a:solidFill>
+                      <a:prstDash val="solid"/>
+                    </a:ln>
+                    <a:pattFill prst="ltDnDiag">
+                      <a:fgClr>
+                        <a:schemeClr val="accent5">
+                          <a:lumMod val="60000"/>
+                          <a:lumOff val="40000"/>
+                        </a:schemeClr>
+                      </a:fgClr>
+                      <a:bgClr>
+                        <a:schemeClr val="bg1"/>
+                      </a:bgClr>
+                    </a:pattFill>
+                    <a:latin typeface="微軟正黑體 Light" panose="020B0304030504040204" pitchFamily="34" charset="-120"/>
+                    <a:ea typeface="微軟正黑體 Light" panose="020B0304030504040204" pitchFamily="34" charset="-120"/>
+                  </a:rPr>
+                  <a:t>眼睛耳朵不一樣</a:t>
+                </a:r>
+              </a:p>
+            </p:txBody>
+          </p:sp>
+          <p:sp>
+            <p:nvSpPr>
+              <p:cNvPr id="26" name="矩形 25">
+                <a:extLst>
+                  <a:ext uri="{FF2B5EF4-FFF2-40B4-BE49-F238E27FC236}">
+                    <a16:creationId xmlns:a16="http://schemas.microsoft.com/office/drawing/2014/main" id="{84C8732F-2618-48AC-B448-54FF390C2590}"/>
+                  </a:ext>
+                </a:extLst>
+              </p:cNvPr>
+              <p:cNvSpPr/>
+              <p:nvPr/>
+            </p:nvSpPr>
+            <p:spPr>
+              <a:xfrm>
+                <a:off x="1292911" y="2683826"/>
+                <a:ext cx="1591628" cy="461665"/>
+              </a:xfrm>
+              <a:prstGeom prst="rect">
+                <a:avLst/>
+              </a:prstGeom>
+              <a:solidFill>
+                <a:schemeClr val="bg1">
+                  <a:alpha val="54000"/>
+                </a:schemeClr>
+              </a:solidFill>
+            </p:spPr>
+            <p:txBody>
+              <a:bodyPr wrap="square" lIns="91440" tIns="45720" rIns="91440" bIns="45720">
+                <a:spAutoFit/>
+              </a:bodyPr>
+              <a:lstStyle/>
+              <a:p>
+                <a:pPr algn="ctr"/>
+                <a:r>
+                  <a:rPr lang="zh-TW" altLang="en-US" sz="2400" b="1" cap="none" spc="0" dirty="0">
+                    <a:ln/>
+                    <a:effectLst>
+                      <a:outerShdw blurRad="38100" dist="19050" dir="2700000" algn="tl" rotWithShape="0">
+                        <a:schemeClr val="dk1">
+                          <a:lumMod val="50000"/>
+                          <a:alpha val="40000"/>
+                        </a:schemeClr>
+                      </a:outerShdw>
+                    </a:effectLst>
+                    <a:latin typeface="微軟正黑體 Light" panose="020B0304030504040204" pitchFamily="34" charset="-120"/>
+                    <a:ea typeface="微軟正黑體 Light" panose="020B0304030504040204" pitchFamily="34" charset="-120"/>
+                  </a:rPr>
+                  <a:t>主題選擇</a:t>
+                </a:r>
+              </a:p>
+            </p:txBody>
+          </p:sp>
+          <p:sp>
+            <p:nvSpPr>
+              <p:cNvPr id="27" name="矩形 26">
+                <a:extLst>
+                  <a:ext uri="{FF2B5EF4-FFF2-40B4-BE49-F238E27FC236}">
+                    <a16:creationId xmlns:a16="http://schemas.microsoft.com/office/drawing/2014/main" id="{750F3BE2-BCDA-4F0C-B3E6-50D9057238D1}"/>
+                  </a:ext>
+                </a:extLst>
+              </p:cNvPr>
+              <p:cNvSpPr/>
+              <p:nvPr/>
+            </p:nvSpPr>
+            <p:spPr>
+              <a:xfrm>
+                <a:off x="1292911" y="3223826"/>
+                <a:ext cx="1591628" cy="461665"/>
+              </a:xfrm>
+              <a:prstGeom prst="rect">
+                <a:avLst/>
+              </a:prstGeom>
+              <a:solidFill>
+                <a:schemeClr val="bg1">
+                  <a:alpha val="54000"/>
+                </a:schemeClr>
+              </a:solidFill>
+            </p:spPr>
+            <p:txBody>
+              <a:bodyPr wrap="square" lIns="91440" tIns="45720" rIns="91440" bIns="45720">
+                <a:spAutoFit/>
+              </a:bodyPr>
+              <a:lstStyle/>
+              <a:p>
+                <a:pPr algn="ctr"/>
+                <a:r>
+                  <a:rPr lang="zh-TW" altLang="en-US" sz="2400" b="1" dirty="0">
+                    <a:ln/>
+                    <a:effectLst>
+                      <a:outerShdw blurRad="38100" dist="19050" dir="2700000" algn="tl" rotWithShape="0">
+                        <a:schemeClr val="dk1">
+                          <a:lumMod val="50000"/>
+                          <a:alpha val="40000"/>
+                        </a:schemeClr>
+                      </a:outerShdw>
+                    </a:effectLst>
+                    <a:latin typeface="微軟正黑體 Light" panose="020B0304030504040204" pitchFamily="34" charset="-120"/>
+                    <a:ea typeface="微軟正黑體 Light" panose="020B0304030504040204" pitchFamily="34" charset="-120"/>
+                  </a:rPr>
+                  <a:t>輸入名字</a:t>
+                </a:r>
+                <a:endParaRPr lang="zh-TW" altLang="en-US" sz="2400" b="1" cap="none" spc="0" dirty="0">
+                  <a:ln/>
+                  <a:effectLst>
+                    <a:outerShdw blurRad="38100" dist="19050" dir="2700000" algn="tl" rotWithShape="0">
+                      <a:schemeClr val="dk1">
+                        <a:lumMod val="50000"/>
+                        <a:alpha val="40000"/>
+                      </a:schemeClr>
+                    </a:outerShdw>
+                  </a:effectLst>
+                  <a:latin typeface="微軟正黑體 Light" panose="020B0304030504040204" pitchFamily="34" charset="-120"/>
+                  <a:ea typeface="微軟正黑體 Light" panose="020B0304030504040204" pitchFamily="34" charset="-120"/>
+                </a:endParaRPr>
+              </a:p>
+            </p:txBody>
+          </p:sp>
+          <p:sp>
+            <p:nvSpPr>
+              <p:cNvPr id="28" name="矩形 27">
+                <a:extLst>
+                  <a:ext uri="{FF2B5EF4-FFF2-40B4-BE49-F238E27FC236}">
+                    <a16:creationId xmlns:a16="http://schemas.microsoft.com/office/drawing/2014/main" id="{C2336C1E-8507-4846-953F-3B0AEDEAD23E}"/>
+                  </a:ext>
+                </a:extLst>
+              </p:cNvPr>
+              <p:cNvSpPr/>
+              <p:nvPr/>
+            </p:nvSpPr>
+            <p:spPr>
+              <a:xfrm>
+                <a:off x="1292911" y="3763826"/>
+                <a:ext cx="1591628" cy="461665"/>
+              </a:xfrm>
+              <a:prstGeom prst="rect">
+                <a:avLst/>
+              </a:prstGeom>
+              <a:solidFill>
+                <a:schemeClr val="bg1">
+                  <a:alpha val="54000"/>
+                </a:schemeClr>
+              </a:solidFill>
+            </p:spPr>
+            <p:txBody>
+              <a:bodyPr wrap="square" lIns="91440" tIns="45720" rIns="91440" bIns="45720">
+                <a:spAutoFit/>
+              </a:bodyPr>
+              <a:lstStyle/>
+              <a:p>
+                <a:pPr algn="ctr"/>
+                <a:r>
+                  <a:rPr lang="zh-TW" altLang="en-US" sz="2400" b="1" cap="none" spc="0" dirty="0">
+                    <a:ln/>
+                    <a:effectLst>
+                      <a:outerShdw blurRad="38100" dist="19050" dir="2700000" algn="tl" rotWithShape="0">
+                        <a:schemeClr val="dk1">
+                          <a:lumMod val="50000"/>
+                          <a:alpha val="40000"/>
+                        </a:schemeClr>
+                      </a:outerShdw>
+                    </a:effectLst>
+                    <a:latin typeface="微軟正黑體 Light" panose="020B0304030504040204" pitchFamily="34" charset="-120"/>
+                    <a:ea typeface="微軟正黑體 Light" panose="020B0304030504040204" pitchFamily="34" charset="-120"/>
+                  </a:rPr>
+                  <a:t>關卡種類</a:t>
+                </a:r>
+              </a:p>
+            </p:txBody>
+          </p:sp>
+          <p:pic>
+            <p:nvPicPr>
+              <p:cNvPr id="30" name="圖片 29">
+                <a:extLst>
+                  <a:ext uri="{FF2B5EF4-FFF2-40B4-BE49-F238E27FC236}">
+                    <a16:creationId xmlns:a16="http://schemas.microsoft.com/office/drawing/2014/main" id="{D1E329AB-CBD6-4D8A-AD3A-AE43E3519C2C}"/>
+                  </a:ext>
+                </a:extLst>
+              </p:cNvPr>
+              <p:cNvPicPr>
+                <a:picLocks noChangeAspect="1"/>
+              </p:cNvPicPr>
+              <p:nvPr/>
+            </p:nvPicPr>
+            <p:blipFill>
+              <a:blip r:embed="rId7">
+                <a:extLst>
+                  <a:ext uri="{28A0092B-C50C-407E-A947-70E740481C1C}">
+                    <a14:useLocalDpi xmlns:a14="http://schemas.microsoft.com/office/drawing/2010/main" val="0"/>
+                  </a:ext>
+                </a:extLst>
+              </a:blip>
+              <a:stretch>
+                <a:fillRect/>
+              </a:stretch>
+            </p:blipFill>
+            <p:spPr>
+              <a:xfrm>
+                <a:off x="87159" y="4311069"/>
+                <a:ext cx="485843" cy="523948"/>
+              </a:xfrm>
+              <a:prstGeom prst="rect">
+                <a:avLst/>
+              </a:prstGeom>
+            </p:spPr>
+          </p:pic>
+          <p:pic>
+            <p:nvPicPr>
+              <p:cNvPr id="32" name="圖片 31">
+                <a:extLst>
+                  <a:ext uri="{FF2B5EF4-FFF2-40B4-BE49-F238E27FC236}">
+                    <a16:creationId xmlns:a16="http://schemas.microsoft.com/office/drawing/2014/main" id="{57CFAC72-3068-46AA-876D-6F0FCF318396}"/>
+                  </a:ext>
+                </a:extLst>
+              </p:cNvPr>
+              <p:cNvPicPr>
+                <a:picLocks noChangeAspect="1"/>
+              </p:cNvPicPr>
+              <p:nvPr/>
+            </p:nvPicPr>
+            <p:blipFill>
+              <a:blip r:embed="rId8">
+                <a:extLst>
+                  <a:ext uri="{28A0092B-C50C-407E-A947-70E740481C1C}">
+                    <a14:useLocalDpi xmlns:a14="http://schemas.microsoft.com/office/drawing/2010/main" val="0"/>
+                  </a:ext>
+                </a:extLst>
+              </a:blip>
+              <a:stretch>
+                <a:fillRect/>
+              </a:stretch>
+            </p:blipFill>
+            <p:spPr>
+              <a:xfrm>
+                <a:off x="3490385" y="6142254"/>
+                <a:ext cx="333422" cy="514422"/>
+              </a:xfrm>
+              <a:prstGeom prst="rect">
+                <a:avLst/>
+              </a:prstGeom>
+            </p:spPr>
+          </p:pic>
+          <p:pic>
+            <p:nvPicPr>
+              <p:cNvPr id="34" name="圖片 33">
+                <a:extLst>
+                  <a:ext uri="{FF2B5EF4-FFF2-40B4-BE49-F238E27FC236}">
+                    <a16:creationId xmlns:a16="http://schemas.microsoft.com/office/drawing/2014/main" id="{FEA6B443-14CD-4473-8FC8-E6011D646A07}"/>
+                  </a:ext>
+                </a:extLst>
+              </p:cNvPr>
+              <p:cNvPicPr>
+                <a:picLocks noChangeAspect="1"/>
+              </p:cNvPicPr>
+              <p:nvPr/>
+            </p:nvPicPr>
+            <p:blipFill>
+              <a:blip r:embed="rId9">
+                <a:extLst>
+                  <a:ext uri="{28A0092B-C50C-407E-A947-70E740481C1C}">
+                    <a14:useLocalDpi xmlns:a14="http://schemas.microsoft.com/office/drawing/2010/main" val="0"/>
+                  </a:ext>
+                </a:extLst>
+              </a:blip>
+              <a:stretch>
+                <a:fillRect/>
+              </a:stretch>
+            </p:blipFill>
+            <p:spPr>
+              <a:xfrm>
+                <a:off x="5297503" y="6223129"/>
+                <a:ext cx="457264" cy="381053"/>
+              </a:xfrm>
+              <a:prstGeom prst="rect">
+                <a:avLst/>
+              </a:prstGeom>
+            </p:spPr>
+          </p:pic>
+          <p:pic>
+            <p:nvPicPr>
+              <p:cNvPr id="36" name="圖片 35">
+                <a:extLst>
+                  <a:ext uri="{FF2B5EF4-FFF2-40B4-BE49-F238E27FC236}">
+                    <a16:creationId xmlns:a16="http://schemas.microsoft.com/office/drawing/2014/main" id="{2A41612C-B2C0-415A-8926-925F7A8BA9FB}"/>
+                  </a:ext>
+                </a:extLst>
+              </p:cNvPr>
+              <p:cNvPicPr>
+                <a:picLocks noChangeAspect="1"/>
+              </p:cNvPicPr>
+              <p:nvPr/>
+            </p:nvPicPr>
+            <p:blipFill>
+              <a:blip r:embed="rId10">
+                <a:extLst>
+                  <a:ext uri="{28A0092B-C50C-407E-A947-70E740481C1C}">
+                    <a14:useLocalDpi xmlns:a14="http://schemas.microsoft.com/office/drawing/2010/main" val="0"/>
+                  </a:ext>
+                </a:extLst>
+              </a:blip>
+              <a:stretch>
+                <a:fillRect/>
+              </a:stretch>
+            </p:blipFill>
+            <p:spPr>
+              <a:xfrm>
+                <a:off x="6419258" y="5418177"/>
+                <a:ext cx="647790" cy="381053"/>
+              </a:xfrm>
+              <a:prstGeom prst="rect">
+                <a:avLst/>
+              </a:prstGeom>
+            </p:spPr>
+          </p:pic>
+          <p:sp>
+            <p:nvSpPr>
+              <p:cNvPr id="37" name="矩形 36">
+                <a:extLst>
+                  <a:ext uri="{FF2B5EF4-FFF2-40B4-BE49-F238E27FC236}">
+                    <a16:creationId xmlns:a16="http://schemas.microsoft.com/office/drawing/2014/main" id="{65CE7146-8B0E-47E6-877A-34F71EB5762D}"/>
+                  </a:ext>
+                </a:extLst>
+              </p:cNvPr>
+              <p:cNvSpPr/>
+              <p:nvPr/>
+            </p:nvSpPr>
+            <p:spPr>
+              <a:xfrm>
+                <a:off x="1287579" y="4303826"/>
+                <a:ext cx="1591628" cy="461665"/>
+              </a:xfrm>
+              <a:prstGeom prst="rect">
+                <a:avLst/>
+              </a:prstGeom>
+              <a:solidFill>
+                <a:schemeClr val="bg1">
+                  <a:alpha val="54000"/>
+                </a:schemeClr>
+              </a:solidFill>
+            </p:spPr>
+            <p:txBody>
+              <a:bodyPr wrap="square" lIns="91440" tIns="45720" rIns="91440" bIns="45720">
+                <a:spAutoFit/>
+              </a:bodyPr>
+              <a:lstStyle/>
+              <a:p>
+                <a:pPr algn="ctr"/>
+                <a:r>
+                  <a:rPr lang="zh-TW" altLang="en-US" sz="2400" b="1" cap="none" spc="0" dirty="0">
+                    <a:ln/>
+                    <a:effectLst>
+                      <a:outerShdw blurRad="38100" dist="19050" dir="2700000" algn="tl" rotWithShape="0">
+                        <a:schemeClr val="dk1">
+                          <a:lumMod val="50000"/>
+                          <a:alpha val="40000"/>
+                        </a:schemeClr>
+                      </a:outerShdw>
+                    </a:effectLst>
+                    <a:latin typeface="微軟正黑體 Light" panose="020B0304030504040204" pitchFamily="34" charset="-120"/>
+                    <a:ea typeface="微軟正黑體 Light" panose="020B0304030504040204" pitchFamily="34" charset="-120"/>
+                  </a:rPr>
+                  <a:t>關卡</a:t>
+                </a:r>
+                <a:r>
+                  <a:rPr lang="zh-TW" altLang="en-US" sz="2400" b="1" dirty="0">
+                    <a:ln/>
+                    <a:effectLst>
+                      <a:outerShdw blurRad="38100" dist="19050" dir="2700000" algn="tl" rotWithShape="0">
+                        <a:schemeClr val="dk1">
+                          <a:lumMod val="50000"/>
+                          <a:alpha val="40000"/>
+                        </a:schemeClr>
+                      </a:outerShdw>
+                    </a:effectLst>
+                    <a:latin typeface="微軟正黑體 Light" panose="020B0304030504040204" pitchFamily="34" charset="-120"/>
+                    <a:ea typeface="微軟正黑體 Light" panose="020B0304030504040204" pitchFamily="34" charset="-120"/>
+                  </a:rPr>
+                  <a:t>聲音</a:t>
+                </a:r>
+                <a:endParaRPr lang="zh-TW" altLang="en-US" sz="2400" b="1" cap="none" spc="0" dirty="0">
+                  <a:ln/>
+                  <a:effectLst>
+                    <a:outerShdw blurRad="38100" dist="19050" dir="2700000" algn="tl" rotWithShape="0">
+                      <a:schemeClr val="dk1">
+                        <a:lumMod val="50000"/>
+                        <a:alpha val="40000"/>
+                      </a:schemeClr>
+                    </a:outerShdw>
+                  </a:effectLst>
+                  <a:latin typeface="微軟正黑體 Light" panose="020B0304030504040204" pitchFamily="34" charset="-120"/>
+                  <a:ea typeface="微軟正黑體 Light" panose="020B0304030504040204" pitchFamily="34" charset="-120"/>
+                </a:endParaRPr>
+              </a:p>
+            </p:txBody>
+          </p:sp>
+          <p:pic>
+            <p:nvPicPr>
+              <p:cNvPr id="40" name="圖片 39">
+                <a:extLst>
+                  <a:ext uri="{FF2B5EF4-FFF2-40B4-BE49-F238E27FC236}">
+                    <a16:creationId xmlns:a16="http://schemas.microsoft.com/office/drawing/2014/main" id="{1D8FB6F0-5002-498D-93B5-0AA4CC03FB9C}"/>
+                  </a:ext>
+                </a:extLst>
+              </p:cNvPr>
+              <p:cNvPicPr>
+                <a:picLocks noChangeAspect="1"/>
+              </p:cNvPicPr>
+              <p:nvPr/>
+            </p:nvPicPr>
+            <p:blipFill>
+              <a:blip r:embed="rId11">
+                <a:extLst>
+                  <a:ext uri="{28A0092B-C50C-407E-A947-70E740481C1C}">
+                    <a14:useLocalDpi xmlns:a14="http://schemas.microsoft.com/office/drawing/2010/main" val="0"/>
+                  </a:ext>
+                </a:extLst>
+              </a:blip>
+              <a:stretch>
+                <a:fillRect/>
+              </a:stretch>
+            </p:blipFill>
+            <p:spPr>
+              <a:xfrm>
+                <a:off x="675361" y="6032753"/>
+                <a:ext cx="857143" cy="571429"/>
+              </a:xfrm>
+              <a:prstGeom prst="rect">
+                <a:avLst/>
+              </a:prstGeom>
+            </p:spPr>
+          </p:pic>
+          <p:pic>
+            <p:nvPicPr>
+              <p:cNvPr id="42" name="圖片 41">
+                <a:extLst>
+                  <a:ext uri="{FF2B5EF4-FFF2-40B4-BE49-F238E27FC236}">
+                    <a16:creationId xmlns:a16="http://schemas.microsoft.com/office/drawing/2014/main" id="{BB3DB138-7488-48A9-A6C8-0D76E89091BE}"/>
+                  </a:ext>
+                </a:extLst>
+              </p:cNvPr>
+              <p:cNvPicPr>
+                <a:picLocks noChangeAspect="1"/>
+              </p:cNvPicPr>
+              <p:nvPr/>
+            </p:nvPicPr>
+            <p:blipFill>
+              <a:blip r:embed="rId12">
+                <a:extLst>
+                  <a:ext uri="{28A0092B-C50C-407E-A947-70E740481C1C}">
+                    <a14:useLocalDpi xmlns:a14="http://schemas.microsoft.com/office/drawing/2010/main" val="0"/>
+                  </a:ext>
+                </a:extLst>
+              </a:blip>
+              <a:stretch>
+                <a:fillRect/>
+              </a:stretch>
+            </p:blipFill>
+            <p:spPr>
+              <a:xfrm>
+                <a:off x="6279978" y="1986425"/>
+                <a:ext cx="523948" cy="504895"/>
+              </a:xfrm>
+              <a:prstGeom prst="rect">
+                <a:avLst/>
+              </a:prstGeom>
+            </p:spPr>
+          </p:pic>
+          <p:pic>
+            <p:nvPicPr>
+              <p:cNvPr id="44" name="圖片 43">
+                <a:extLst>
+                  <a:ext uri="{FF2B5EF4-FFF2-40B4-BE49-F238E27FC236}">
+                    <a16:creationId xmlns:a16="http://schemas.microsoft.com/office/drawing/2014/main" id="{18414757-1716-40DD-8A7C-D978A1241F46}"/>
+                  </a:ext>
+                </a:extLst>
+              </p:cNvPr>
+              <p:cNvPicPr>
+                <a:picLocks noChangeAspect="1"/>
+              </p:cNvPicPr>
+              <p:nvPr/>
+            </p:nvPicPr>
+            <p:blipFill>
+              <a:blip r:embed="rId13">
+                <a:extLst>
+                  <a:ext uri="{28A0092B-C50C-407E-A947-70E740481C1C}">
+                    <a14:useLocalDpi xmlns:a14="http://schemas.microsoft.com/office/drawing/2010/main" val="0"/>
+                  </a:ext>
+                </a:extLst>
+              </a:blip>
+              <a:stretch>
+                <a:fillRect/>
+              </a:stretch>
+            </p:blipFill>
+            <p:spPr>
+              <a:xfrm>
+                <a:off x="4923131" y="2122415"/>
+                <a:ext cx="266737" cy="381053"/>
+              </a:xfrm>
+              <a:prstGeom prst="rect">
+                <a:avLst/>
+              </a:prstGeom>
+            </p:spPr>
+          </p:pic>
+          <p:pic>
+            <p:nvPicPr>
+              <p:cNvPr id="46" name="圖片 45">
+                <a:extLst>
+                  <a:ext uri="{FF2B5EF4-FFF2-40B4-BE49-F238E27FC236}">
+                    <a16:creationId xmlns:a16="http://schemas.microsoft.com/office/drawing/2014/main" id="{E11AB877-E558-4182-8E0D-AABB217EC43E}"/>
+                  </a:ext>
+                </a:extLst>
+              </p:cNvPr>
+              <p:cNvPicPr>
+                <a:picLocks noChangeAspect="1"/>
+              </p:cNvPicPr>
+              <p:nvPr/>
+            </p:nvPicPr>
+            <p:blipFill>
+              <a:blip r:embed="rId14">
+                <a:extLst>
+                  <a:ext uri="{28A0092B-C50C-407E-A947-70E740481C1C}">
+                    <a14:useLocalDpi xmlns:a14="http://schemas.microsoft.com/office/drawing/2010/main" val="0"/>
+                  </a:ext>
+                </a:extLst>
+              </a:blip>
+              <a:stretch>
+                <a:fillRect/>
+              </a:stretch>
+            </p:blipFill>
+            <p:spPr>
+              <a:xfrm>
+                <a:off x="6120118" y="444033"/>
+                <a:ext cx="933580" cy="285790"/>
+              </a:xfrm>
+              <a:prstGeom prst="rect">
+                <a:avLst/>
+              </a:prstGeom>
+            </p:spPr>
+          </p:pic>
+          <p:pic>
+            <p:nvPicPr>
+              <p:cNvPr id="48" name="圖片 47">
+                <a:extLst>
+                  <a:ext uri="{FF2B5EF4-FFF2-40B4-BE49-F238E27FC236}">
+                    <a16:creationId xmlns:a16="http://schemas.microsoft.com/office/drawing/2014/main" id="{F478D0E3-3912-4E8F-8973-3553BB7BB813}"/>
+                  </a:ext>
+                </a:extLst>
+              </p:cNvPr>
+              <p:cNvPicPr>
+                <a:picLocks noChangeAspect="1"/>
+              </p:cNvPicPr>
+              <p:nvPr/>
+            </p:nvPicPr>
+            <p:blipFill>
+              <a:blip r:embed="rId15">
+                <a:extLst>
+                  <a:ext uri="{28A0092B-C50C-407E-A947-70E740481C1C}">
+                    <a14:useLocalDpi xmlns:a14="http://schemas.microsoft.com/office/drawing/2010/main" val="0"/>
+                  </a:ext>
+                </a:extLst>
+              </a:blip>
+              <a:stretch>
+                <a:fillRect/>
+              </a:stretch>
+            </p:blipFill>
+            <p:spPr>
+              <a:xfrm>
+                <a:off x="639188" y="1530732"/>
+                <a:ext cx="523948" cy="905001"/>
+              </a:xfrm>
+              <a:prstGeom prst="rect">
+                <a:avLst/>
+              </a:prstGeom>
+            </p:spPr>
+          </p:pic>
+          <p:pic>
+            <p:nvPicPr>
+              <p:cNvPr id="50" name="圖片 49">
+                <a:extLst>
+                  <a:ext uri="{FF2B5EF4-FFF2-40B4-BE49-F238E27FC236}">
+                    <a16:creationId xmlns:a16="http://schemas.microsoft.com/office/drawing/2014/main" id="{9066A6D3-4FF6-48AA-A035-3E8737E2A214}"/>
+                  </a:ext>
+                </a:extLst>
+              </p:cNvPr>
+              <p:cNvPicPr>
+                <a:picLocks noChangeAspect="1"/>
+              </p:cNvPicPr>
+              <p:nvPr/>
+            </p:nvPicPr>
+            <p:blipFill>
+              <a:blip r:embed="rId16">
+                <a:extLst>
+                  <a:ext uri="{28A0092B-C50C-407E-A947-70E740481C1C}">
+                    <a14:useLocalDpi xmlns:a14="http://schemas.microsoft.com/office/drawing/2010/main" val="0"/>
+                  </a:ext>
+                </a:extLst>
+              </a:blip>
+              <a:stretch>
+                <a:fillRect/>
+              </a:stretch>
+            </p:blipFill>
+            <p:spPr>
+              <a:xfrm>
+                <a:off x="6731035" y="4491999"/>
+                <a:ext cx="442781" cy="385027"/>
+              </a:xfrm>
+              <a:prstGeom prst="rect">
+                <a:avLst/>
+              </a:prstGeom>
+            </p:spPr>
+          </p:pic>
+          <p:pic>
+            <p:nvPicPr>
+              <p:cNvPr id="62" name="圖片 61">
+                <a:extLst>
+                  <a:ext uri="{FF2B5EF4-FFF2-40B4-BE49-F238E27FC236}">
+                    <a16:creationId xmlns:a16="http://schemas.microsoft.com/office/drawing/2014/main" id="{69E392AC-7D17-4C30-BD83-ECC397824B4E}"/>
                   </a:ext>
                 </a:extLst>
               </p:cNvPr>
@@ -3377,167 +4274,98 @@
               <p:nvPr/>
             </p:nvPicPr>
             <p:blipFill rotWithShape="1">
-              <a:blip r:embed="rId2">
-                <a:clrChange>
-                  <a:clrFrom>
-                    <a:srgbClr val="CDEBEB"/>
-                  </a:clrFrom>
-                  <a:clrTo>
-                    <a:srgbClr val="CDEBEB">
-                      <a:alpha val="0"/>
-                    </a:srgbClr>
-                  </a:clrTo>
-                </a:clrChange>
+              <a:blip r:embed="rId17">
                 <a:extLst>
-                  <a:ext uri="{BEBA8EAE-BF5A-486C-A8C5-ECC9F3942E4B}">
-                    <a14:imgProps xmlns:a14="http://schemas.microsoft.com/office/drawing/2010/main">
-                      <a14:imgLayer r:embed="rId3">
-                        <a14:imgEffect>
-                          <a14:artisticTexturizer/>
-                        </a14:imgEffect>
-                        <a14:imgEffect>
-                          <a14:colorTemperature colorTemp="6571"/>
-                        </a14:imgEffect>
-                        <a14:imgEffect>
-                          <a14:saturation sat="142000"/>
-                        </a14:imgEffect>
-                        <a14:imgEffect>
-                          <a14:brightnessContrast contrast="-40000"/>
-                        </a14:imgEffect>
-                      </a14:imgLayer>
-                    </a14:imgProps>
-                  </a:ext>
                   <a:ext uri="{28A0092B-C50C-407E-A947-70E740481C1C}">
                     <a14:useLocalDpi xmlns:a14="http://schemas.microsoft.com/office/drawing/2010/main" val="0"/>
                   </a:ext>
                 </a:extLst>
               </a:blip>
-              <a:srcRect t="-129" b="65828"/>
+              <a:srcRect l="12290" t="3984" r="10399" b="798"/>
               <a:stretch/>
             </p:blipFill>
             <p:spPr>
               <a:xfrm>
-                <a:off x="1022406" y="89055"/>
-                <a:ext cx="7228461" cy="2352394"/>
+                <a:off x="7228458" y="200165"/>
+                <a:ext cx="5229225" cy="6456511"/>
               </a:xfrm>
               <a:prstGeom prst="rect">
                 <a:avLst/>
               </a:prstGeom>
             </p:spPr>
           </p:pic>
-          <p:pic>
-            <p:nvPicPr>
-              <p:cNvPr id="10" name="圖片 9">
+          <p:sp>
+            <p:nvSpPr>
+              <p:cNvPr id="63" name="矩形 62">
                 <a:extLst>
                   <a:ext uri="{FF2B5EF4-FFF2-40B4-BE49-F238E27FC236}">
-                    <a16:creationId xmlns:a16="http://schemas.microsoft.com/office/drawing/2014/main" id="{AFFE19DF-AED1-4051-B71A-CFB42AF3B9BE}"/>
+                    <a16:creationId xmlns:a16="http://schemas.microsoft.com/office/drawing/2014/main" id="{939C1F34-7745-4BE5-AC50-B8FC295BA327}"/>
                   </a:ext>
                 </a:extLst>
               </p:cNvPr>
-              <p:cNvPicPr>
-                <a:picLocks noChangeAspect="1"/>
-              </p:cNvPicPr>
+              <p:cNvSpPr/>
               <p:nvPr/>
-            </p:nvPicPr>
-            <p:blipFill rotWithShape="1">
-              <a:blip r:embed="rId4">
-                <a:extLst>
-                  <a:ext uri="{BEBA8EAE-BF5A-486C-A8C5-ECC9F3942E4B}">
-                    <a14:imgProps xmlns:a14="http://schemas.microsoft.com/office/drawing/2010/main">
-                      <a14:imgLayer r:embed="rId3">
-                        <a14:imgEffect>
-                          <a14:artisticTexturizer/>
-                        </a14:imgEffect>
-                        <a14:imgEffect>
-                          <a14:colorTemperature colorTemp="6571"/>
-                        </a14:imgEffect>
-                        <a14:imgEffect>
-                          <a14:saturation sat="142000"/>
-                        </a14:imgEffect>
-                        <a14:imgEffect>
-                          <a14:brightnessContrast bright="-17000" contrast="40000"/>
-                        </a14:imgEffect>
-                      </a14:imgLayer>
-                    </a14:imgProps>
-                  </a:ext>
-                  <a:ext uri="{28A0092B-C50C-407E-A947-70E740481C1C}">
-                    <a14:useLocalDpi xmlns:a14="http://schemas.microsoft.com/office/drawing/2010/main" val="0"/>
-                  </a:ext>
-                </a:extLst>
-              </a:blip>
-              <a:srcRect l="810" t="34406" r="395" b="27398"/>
-              <a:stretch/>
-            </p:blipFill>
+            </p:nvSpPr>
             <p:spPr>
               <a:xfrm>
-                <a:off x="1022406" y="2421890"/>
-                <a:ext cx="7228458" cy="2619375"/>
+                <a:off x="9063713" y="337045"/>
+                <a:ext cx="1591628" cy="461665"/>
               </a:xfrm>
               <a:prstGeom prst="rect">
                 <a:avLst/>
               </a:prstGeom>
+              <a:solidFill>
+                <a:schemeClr val="bg1">
+                  <a:alpha val="0"/>
+                </a:schemeClr>
+              </a:solidFill>
             </p:spPr>
-          </p:pic>
-          <p:pic>
-            <p:nvPicPr>
-              <p:cNvPr id="11" name="圖片 10">
-                <a:extLst>
-                  <a:ext uri="{FF2B5EF4-FFF2-40B4-BE49-F238E27FC236}">
-                    <a16:creationId xmlns:a16="http://schemas.microsoft.com/office/drawing/2014/main" id="{26B6F775-5DA3-457A-8F46-69B93D415373}"/>
-                  </a:ext>
-                </a:extLst>
-              </p:cNvPr>
-              <p:cNvPicPr>
-                <a:picLocks noChangeAspect="1"/>
-              </p:cNvPicPr>
-              <p:nvPr/>
-            </p:nvPicPr>
-            <p:blipFill rotWithShape="1">
-              <a:blip r:embed="rId5">
-                <a:extLst>
-                  <a:ext uri="{BEBA8EAE-BF5A-486C-A8C5-ECC9F3942E4B}">
-                    <a14:imgProps xmlns:a14="http://schemas.microsoft.com/office/drawing/2010/main">
-                      <a14:imgLayer r:embed="rId3">
-                        <a14:imgEffect>
-                          <a14:artisticTexturizer/>
-                        </a14:imgEffect>
-                        <a14:imgEffect>
-                          <a14:colorTemperature colorTemp="6571"/>
-                        </a14:imgEffect>
-                        <a14:imgEffect>
-                          <a14:saturation sat="142000"/>
-                        </a14:imgEffect>
-                        <a14:imgEffect>
-                          <a14:brightnessContrast bright="-20000"/>
-                        </a14:imgEffect>
-                      </a14:imgLayer>
-                    </a14:imgProps>
-                  </a:ext>
-                  <a:ext uri="{28A0092B-C50C-407E-A947-70E740481C1C}">
-                    <a14:useLocalDpi xmlns:a14="http://schemas.microsoft.com/office/drawing/2010/main" val="0"/>
-                  </a:ext>
-                </a:extLst>
-              </a:blip>
-              <a:srcRect t="78018" b="316"/>
-              <a:stretch/>
-            </p:blipFill>
-            <p:spPr>
-              <a:xfrm>
-                <a:off x="1022408" y="5031984"/>
-                <a:ext cx="7228459" cy="1485899"/>
-              </a:xfrm>
-              <a:prstGeom prst="rect">
-                <a:avLst/>
-              </a:prstGeom>
-            </p:spPr>
-          </p:pic>
+            <p:txBody>
+              <a:bodyPr wrap="square" lIns="91440" tIns="45720" rIns="91440" bIns="45720">
+                <a:spAutoFit/>
+              </a:bodyPr>
+              <a:lstStyle/>
+              <a:p>
+                <a:pPr algn="ctr"/>
+                <a:r>
+                  <a:rPr lang="zh-TW" altLang="en-US" sz="2400" b="1" dirty="0">
+                    <a:ln/>
+                    <a:effectLst>
+                      <a:outerShdw blurRad="38100" dist="19050" dir="2700000" algn="tl" rotWithShape="0">
+                        <a:schemeClr val="dk1">
+                          <a:lumMod val="50000"/>
+                          <a:alpha val="40000"/>
+                        </a:schemeClr>
+                      </a:outerShdw>
+                    </a:effectLst>
+                    <a:latin typeface="微軟正黑體 Light" panose="020B0304030504040204" pitchFamily="34" charset="-120"/>
+                    <a:ea typeface="微軟正黑體 Light" panose="020B0304030504040204" pitchFamily="34" charset="-120"/>
+                  </a:rPr>
+                  <a:t>排行榜</a:t>
+                </a:r>
+                <a:endParaRPr lang="zh-TW" altLang="en-US" sz="2400" b="1" cap="none" spc="0" dirty="0">
+                  <a:ln/>
+                  <a:effectLst>
+                    <a:outerShdw blurRad="38100" dist="19050" dir="2700000" algn="tl" rotWithShape="0">
+                      <a:schemeClr val="dk1">
+                        <a:lumMod val="50000"/>
+                        <a:alpha val="40000"/>
+                      </a:schemeClr>
+                    </a:outerShdw>
+                  </a:effectLst>
+                  <a:latin typeface="微軟正黑體 Light" panose="020B0304030504040204" pitchFamily="34" charset="-120"/>
+                  <a:ea typeface="微軟正黑體 Light" panose="020B0304030504040204" pitchFamily="34" charset="-120"/>
+                </a:endParaRPr>
+              </a:p>
+            </p:txBody>
+          </p:sp>
         </p:grpSp>
         <p:pic>
           <p:nvPicPr>
-            <p:cNvPr id="19" name="圖片 18">
+            <p:cNvPr id="3" name="圖片 2">
               <a:extLst>
                 <a:ext uri="{FF2B5EF4-FFF2-40B4-BE49-F238E27FC236}">
-                  <a16:creationId xmlns:a16="http://schemas.microsoft.com/office/drawing/2014/main" id="{FC9ADBC9-AA7A-4A34-B578-01EB73099A2F}"/>
+                  <a16:creationId xmlns:a16="http://schemas.microsoft.com/office/drawing/2014/main" id="{2040A9E3-2A47-4465-A183-162445A6215E}"/>
                 </a:ext>
               </a:extLst>
             </p:cNvPr>
@@ -3547,7 +4375,7 @@
             <p:nvPr/>
           </p:nvPicPr>
           <p:blipFill>
-            <a:blip r:embed="rId6">
+            <a:blip r:embed="rId18">
               <a:extLst>
                 <a:ext uri="{28A0092B-C50C-407E-A947-70E740481C1C}">
                   <a14:useLocalDpi xmlns:a14="http://schemas.microsoft.com/office/drawing/2010/main" val="0"/>
@@ -3560,839 +4388,14 @@
           </p:blipFill>
           <p:spPr>
             <a:xfrm>
-              <a:off x="573546" y="4320747"/>
-              <a:ext cx="276264" cy="905001"/>
+              <a:off x="5194917" y="3106770"/>
+              <a:ext cx="797975" cy="775103"/>
             </a:xfrm>
             <a:prstGeom prst="rect">
               <a:avLst/>
             </a:prstGeom>
           </p:spPr>
         </p:pic>
-        <p:pic>
-          <p:nvPicPr>
-            <p:cNvPr id="21" name="圖片 20">
-              <a:extLst>
-                <a:ext uri="{FF2B5EF4-FFF2-40B4-BE49-F238E27FC236}">
-                  <a16:creationId xmlns:a16="http://schemas.microsoft.com/office/drawing/2014/main" id="{3D71183E-0196-495F-A4EF-CC0139C2BBC8}"/>
-                </a:ext>
-              </a:extLst>
-            </p:cNvPr>
-            <p:cNvPicPr>
-              <a:picLocks noChangeAspect="1"/>
-            </p:cNvPicPr>
-            <p:nvPr/>
-          </p:nvPicPr>
-          <p:blipFill>
-            <a:blip r:embed="rId7">
-              <a:extLst>
-                <a:ext uri="{28A0092B-C50C-407E-A947-70E740481C1C}">
-                  <a14:useLocalDpi xmlns:a14="http://schemas.microsoft.com/office/drawing/2010/main" val="0"/>
-                </a:ext>
-              </a:extLst>
-            </a:blip>
-            <a:stretch>
-              <a:fillRect/>
-            </a:stretch>
-          </p:blipFill>
-          <p:spPr>
-            <a:xfrm>
-              <a:off x="5099170" y="3144076"/>
-              <a:ext cx="495413" cy="889203"/>
-            </a:xfrm>
-            <a:prstGeom prst="rect">
-              <a:avLst/>
-            </a:prstGeom>
-          </p:spPr>
-        </p:pic>
-        <p:sp>
-          <p:nvSpPr>
-            <p:cNvPr id="25" name="矩形 24">
-              <a:extLst>
-                <a:ext uri="{FF2B5EF4-FFF2-40B4-BE49-F238E27FC236}">
-                  <a16:creationId xmlns:a16="http://schemas.microsoft.com/office/drawing/2014/main" id="{AEAF34AB-7068-430C-8F66-FBF8BE62F798}"/>
-                </a:ext>
-              </a:extLst>
-            </p:cNvPr>
-            <p:cNvSpPr/>
-            <p:nvPr/>
-          </p:nvSpPr>
-          <p:spPr>
-            <a:xfrm>
-              <a:off x="1247831" y="1097645"/>
-              <a:ext cx="5032147" cy="923330"/>
-            </a:xfrm>
-            <a:prstGeom prst="rect">
-              <a:avLst/>
-            </a:prstGeom>
-            <a:noFill/>
-          </p:spPr>
-          <p:txBody>
-            <a:bodyPr wrap="none" lIns="91440" tIns="45720" rIns="91440" bIns="45720">
-              <a:spAutoFit/>
-            </a:bodyPr>
-            <a:lstStyle/>
-            <a:p>
-              <a:pPr algn="ctr"/>
-              <a:r>
-                <a:rPr lang="zh-TW" altLang="en-US" sz="5400" b="1" dirty="0">
-                  <a:ln w="12700">
-                    <a:solidFill>
-                      <a:schemeClr val="accent5"/>
-                    </a:solidFill>
-                    <a:prstDash val="solid"/>
-                  </a:ln>
-                  <a:pattFill prst="ltDnDiag">
-                    <a:fgClr>
-                      <a:schemeClr val="accent5">
-                        <a:lumMod val="60000"/>
-                        <a:lumOff val="40000"/>
-                      </a:schemeClr>
-                    </a:fgClr>
-                    <a:bgClr>
-                      <a:schemeClr val="bg1"/>
-                    </a:bgClr>
-                  </a:pattFill>
-                  <a:latin typeface="微軟正黑體 Light" panose="020B0304030504040204" pitchFamily="34" charset="-120"/>
-                  <a:ea typeface="微軟正黑體 Light" panose="020B0304030504040204" pitchFamily="34" charset="-120"/>
-                </a:rPr>
-                <a:t>眼睛耳朵不一樣</a:t>
-              </a:r>
-            </a:p>
-          </p:txBody>
-        </p:sp>
-        <p:sp>
-          <p:nvSpPr>
-            <p:cNvPr id="26" name="矩形 25">
-              <a:extLst>
-                <a:ext uri="{FF2B5EF4-FFF2-40B4-BE49-F238E27FC236}">
-                  <a16:creationId xmlns:a16="http://schemas.microsoft.com/office/drawing/2014/main" id="{84C8732F-2618-48AC-B448-54FF390C2590}"/>
-                </a:ext>
-              </a:extLst>
-            </p:cNvPr>
-            <p:cNvSpPr/>
-            <p:nvPr/>
-          </p:nvSpPr>
-          <p:spPr>
-            <a:xfrm>
-              <a:off x="1292911" y="2319834"/>
-              <a:ext cx="1591628" cy="461665"/>
-            </a:xfrm>
-            <a:prstGeom prst="rect">
-              <a:avLst/>
-            </a:prstGeom>
-            <a:solidFill>
-              <a:schemeClr val="bg1">
-                <a:alpha val="54000"/>
-              </a:schemeClr>
-            </a:solidFill>
-          </p:spPr>
-          <p:txBody>
-            <a:bodyPr wrap="square" lIns="91440" tIns="45720" rIns="91440" bIns="45720">
-              <a:spAutoFit/>
-            </a:bodyPr>
-            <a:lstStyle/>
-            <a:p>
-              <a:pPr algn="ctr"/>
-              <a:r>
-                <a:rPr lang="zh-TW" altLang="en-US" sz="2400" b="1" cap="none" spc="0" dirty="0">
-                  <a:ln/>
-                  <a:effectLst>
-                    <a:outerShdw blurRad="38100" dist="19050" dir="2700000" algn="tl" rotWithShape="0">
-                      <a:schemeClr val="dk1">
-                        <a:lumMod val="50000"/>
-                        <a:alpha val="40000"/>
-                      </a:schemeClr>
-                    </a:outerShdw>
-                  </a:effectLst>
-                  <a:latin typeface="微軟正黑體 Light" panose="020B0304030504040204" pitchFamily="34" charset="-120"/>
-                  <a:ea typeface="微軟正黑體 Light" panose="020B0304030504040204" pitchFamily="34" charset="-120"/>
-                </a:rPr>
-                <a:t>主題選擇</a:t>
-              </a:r>
-            </a:p>
-          </p:txBody>
-        </p:sp>
-        <p:sp>
-          <p:nvSpPr>
-            <p:cNvPr id="27" name="矩形 26">
-              <a:extLst>
-                <a:ext uri="{FF2B5EF4-FFF2-40B4-BE49-F238E27FC236}">
-                  <a16:creationId xmlns:a16="http://schemas.microsoft.com/office/drawing/2014/main" id="{750F3BE2-BCDA-4F0C-B3E6-50D9057238D1}"/>
-                </a:ext>
-              </a:extLst>
-            </p:cNvPr>
-            <p:cNvSpPr/>
-            <p:nvPr/>
-          </p:nvSpPr>
-          <p:spPr>
-            <a:xfrm>
-              <a:off x="1292911" y="2859834"/>
-              <a:ext cx="1591628" cy="461665"/>
-            </a:xfrm>
-            <a:prstGeom prst="rect">
-              <a:avLst/>
-            </a:prstGeom>
-            <a:solidFill>
-              <a:schemeClr val="bg1">
-                <a:alpha val="54000"/>
-              </a:schemeClr>
-            </a:solidFill>
-          </p:spPr>
-          <p:txBody>
-            <a:bodyPr wrap="square" lIns="91440" tIns="45720" rIns="91440" bIns="45720">
-              <a:spAutoFit/>
-            </a:bodyPr>
-            <a:lstStyle/>
-            <a:p>
-              <a:pPr algn="ctr"/>
-              <a:r>
-                <a:rPr lang="zh-TW" altLang="en-US" sz="2400" b="1" dirty="0">
-                  <a:ln/>
-                  <a:effectLst>
-                    <a:outerShdw blurRad="38100" dist="19050" dir="2700000" algn="tl" rotWithShape="0">
-                      <a:schemeClr val="dk1">
-                        <a:lumMod val="50000"/>
-                        <a:alpha val="40000"/>
-                      </a:schemeClr>
-                    </a:outerShdw>
-                  </a:effectLst>
-                  <a:latin typeface="微軟正黑體 Light" panose="020B0304030504040204" pitchFamily="34" charset="-120"/>
-                  <a:ea typeface="微軟正黑體 Light" panose="020B0304030504040204" pitchFamily="34" charset="-120"/>
-                </a:rPr>
-                <a:t>輸入名字</a:t>
-              </a:r>
-              <a:endParaRPr lang="zh-TW" altLang="en-US" sz="2400" b="1" cap="none" spc="0" dirty="0">
-                <a:ln/>
-                <a:effectLst>
-                  <a:outerShdw blurRad="38100" dist="19050" dir="2700000" algn="tl" rotWithShape="0">
-                    <a:schemeClr val="dk1">
-                      <a:lumMod val="50000"/>
-                      <a:alpha val="40000"/>
-                    </a:schemeClr>
-                  </a:outerShdw>
-                </a:effectLst>
-                <a:latin typeface="微軟正黑體 Light" panose="020B0304030504040204" pitchFamily="34" charset="-120"/>
-                <a:ea typeface="微軟正黑體 Light" panose="020B0304030504040204" pitchFamily="34" charset="-120"/>
-              </a:endParaRPr>
-            </a:p>
-          </p:txBody>
-        </p:sp>
-        <p:sp>
-          <p:nvSpPr>
-            <p:cNvPr id="28" name="矩形 27">
-              <a:extLst>
-                <a:ext uri="{FF2B5EF4-FFF2-40B4-BE49-F238E27FC236}">
-                  <a16:creationId xmlns:a16="http://schemas.microsoft.com/office/drawing/2014/main" id="{C2336C1E-8507-4846-953F-3B0AEDEAD23E}"/>
-                </a:ext>
-              </a:extLst>
-            </p:cNvPr>
-            <p:cNvSpPr/>
-            <p:nvPr/>
-          </p:nvSpPr>
-          <p:spPr>
-            <a:xfrm>
-              <a:off x="1292911" y="3399834"/>
-              <a:ext cx="1591628" cy="461665"/>
-            </a:xfrm>
-            <a:prstGeom prst="rect">
-              <a:avLst/>
-            </a:prstGeom>
-            <a:solidFill>
-              <a:schemeClr val="bg1">
-                <a:alpha val="54000"/>
-              </a:schemeClr>
-            </a:solidFill>
-          </p:spPr>
-          <p:txBody>
-            <a:bodyPr wrap="square" lIns="91440" tIns="45720" rIns="91440" bIns="45720">
-              <a:spAutoFit/>
-            </a:bodyPr>
-            <a:lstStyle/>
-            <a:p>
-              <a:pPr algn="ctr"/>
-              <a:r>
-                <a:rPr lang="zh-TW" altLang="en-US" sz="2400" b="1" cap="none" spc="0" dirty="0">
-                  <a:ln/>
-                  <a:effectLst>
-                    <a:outerShdw blurRad="38100" dist="19050" dir="2700000" algn="tl" rotWithShape="0">
-                      <a:schemeClr val="dk1">
-                        <a:lumMod val="50000"/>
-                        <a:alpha val="40000"/>
-                      </a:schemeClr>
-                    </a:outerShdw>
-                  </a:effectLst>
-                  <a:latin typeface="微軟正黑體 Light" panose="020B0304030504040204" pitchFamily="34" charset="-120"/>
-                  <a:ea typeface="微軟正黑體 Light" panose="020B0304030504040204" pitchFamily="34" charset="-120"/>
-                </a:rPr>
-                <a:t>關卡種類</a:t>
-              </a:r>
-            </a:p>
-          </p:txBody>
-        </p:sp>
-        <p:pic>
-          <p:nvPicPr>
-            <p:cNvPr id="30" name="圖片 29">
-              <a:extLst>
-                <a:ext uri="{FF2B5EF4-FFF2-40B4-BE49-F238E27FC236}">
-                  <a16:creationId xmlns:a16="http://schemas.microsoft.com/office/drawing/2014/main" id="{D1E329AB-CBD6-4D8A-AD3A-AE43E3519C2C}"/>
-                </a:ext>
-              </a:extLst>
-            </p:cNvPr>
-            <p:cNvPicPr>
-              <a:picLocks noChangeAspect="1"/>
-            </p:cNvPicPr>
-            <p:nvPr/>
-          </p:nvPicPr>
-          <p:blipFill>
-            <a:blip r:embed="rId8">
-              <a:extLst>
-                <a:ext uri="{28A0092B-C50C-407E-A947-70E740481C1C}">
-                  <a14:useLocalDpi xmlns:a14="http://schemas.microsoft.com/office/drawing/2010/main" val="0"/>
-                </a:ext>
-              </a:extLst>
-            </a:blip>
-            <a:stretch>
-              <a:fillRect/>
-            </a:stretch>
-          </p:blipFill>
-          <p:spPr>
-            <a:xfrm>
-              <a:off x="87159" y="4311069"/>
-              <a:ext cx="485843" cy="523948"/>
-            </a:xfrm>
-            <a:prstGeom prst="rect">
-              <a:avLst/>
-            </a:prstGeom>
-          </p:spPr>
-        </p:pic>
-        <p:pic>
-          <p:nvPicPr>
-            <p:cNvPr id="32" name="圖片 31">
-              <a:extLst>
-                <a:ext uri="{FF2B5EF4-FFF2-40B4-BE49-F238E27FC236}">
-                  <a16:creationId xmlns:a16="http://schemas.microsoft.com/office/drawing/2014/main" id="{57CFAC72-3068-46AA-876D-6F0FCF318396}"/>
-                </a:ext>
-              </a:extLst>
-            </p:cNvPr>
-            <p:cNvPicPr>
-              <a:picLocks noChangeAspect="1"/>
-            </p:cNvPicPr>
-            <p:nvPr/>
-          </p:nvPicPr>
-          <p:blipFill>
-            <a:blip r:embed="rId9">
-              <a:extLst>
-                <a:ext uri="{28A0092B-C50C-407E-A947-70E740481C1C}">
-                  <a14:useLocalDpi xmlns:a14="http://schemas.microsoft.com/office/drawing/2010/main" val="0"/>
-                </a:ext>
-              </a:extLst>
-            </a:blip>
-            <a:stretch>
-              <a:fillRect/>
-            </a:stretch>
-          </p:blipFill>
-          <p:spPr>
-            <a:xfrm>
-              <a:off x="3490385" y="6142254"/>
-              <a:ext cx="333422" cy="514422"/>
-            </a:xfrm>
-            <a:prstGeom prst="rect">
-              <a:avLst/>
-            </a:prstGeom>
-          </p:spPr>
-        </p:pic>
-        <p:pic>
-          <p:nvPicPr>
-            <p:cNvPr id="34" name="圖片 33">
-              <a:extLst>
-                <a:ext uri="{FF2B5EF4-FFF2-40B4-BE49-F238E27FC236}">
-                  <a16:creationId xmlns:a16="http://schemas.microsoft.com/office/drawing/2014/main" id="{FEA6B443-14CD-4473-8FC8-E6011D646A07}"/>
-                </a:ext>
-              </a:extLst>
-            </p:cNvPr>
-            <p:cNvPicPr>
-              <a:picLocks noChangeAspect="1"/>
-            </p:cNvPicPr>
-            <p:nvPr/>
-          </p:nvPicPr>
-          <p:blipFill>
-            <a:blip r:embed="rId10">
-              <a:extLst>
-                <a:ext uri="{28A0092B-C50C-407E-A947-70E740481C1C}">
-                  <a14:useLocalDpi xmlns:a14="http://schemas.microsoft.com/office/drawing/2010/main" val="0"/>
-                </a:ext>
-              </a:extLst>
-            </a:blip>
-            <a:stretch>
-              <a:fillRect/>
-            </a:stretch>
-          </p:blipFill>
-          <p:spPr>
-            <a:xfrm>
-              <a:off x="5297503" y="6223129"/>
-              <a:ext cx="457264" cy="381053"/>
-            </a:xfrm>
-            <a:prstGeom prst="rect">
-              <a:avLst/>
-            </a:prstGeom>
-          </p:spPr>
-        </p:pic>
-        <p:pic>
-          <p:nvPicPr>
-            <p:cNvPr id="36" name="圖片 35">
-              <a:extLst>
-                <a:ext uri="{FF2B5EF4-FFF2-40B4-BE49-F238E27FC236}">
-                  <a16:creationId xmlns:a16="http://schemas.microsoft.com/office/drawing/2014/main" id="{2A41612C-B2C0-415A-8926-925F7A8BA9FB}"/>
-                </a:ext>
-              </a:extLst>
-            </p:cNvPr>
-            <p:cNvPicPr>
-              <a:picLocks noChangeAspect="1"/>
-            </p:cNvPicPr>
-            <p:nvPr/>
-          </p:nvPicPr>
-          <p:blipFill>
-            <a:blip r:embed="rId11">
-              <a:extLst>
-                <a:ext uri="{28A0092B-C50C-407E-A947-70E740481C1C}">
-                  <a14:useLocalDpi xmlns:a14="http://schemas.microsoft.com/office/drawing/2010/main" val="0"/>
-                </a:ext>
-              </a:extLst>
-            </a:blip>
-            <a:stretch>
-              <a:fillRect/>
-            </a:stretch>
-          </p:blipFill>
-          <p:spPr>
-            <a:xfrm>
-              <a:off x="6419258" y="5418177"/>
-              <a:ext cx="647790" cy="381053"/>
-            </a:xfrm>
-            <a:prstGeom prst="rect">
-              <a:avLst/>
-            </a:prstGeom>
-          </p:spPr>
-        </p:pic>
-        <p:sp>
-          <p:nvSpPr>
-            <p:cNvPr id="37" name="矩形 36">
-              <a:extLst>
-                <a:ext uri="{FF2B5EF4-FFF2-40B4-BE49-F238E27FC236}">
-                  <a16:creationId xmlns:a16="http://schemas.microsoft.com/office/drawing/2014/main" id="{65CE7146-8B0E-47E6-877A-34F71EB5762D}"/>
-                </a:ext>
-              </a:extLst>
-            </p:cNvPr>
-            <p:cNvSpPr/>
-            <p:nvPr/>
-          </p:nvSpPr>
-          <p:spPr>
-            <a:xfrm>
-              <a:off x="1287579" y="3939834"/>
-              <a:ext cx="1591628" cy="461665"/>
-            </a:xfrm>
-            <a:prstGeom prst="rect">
-              <a:avLst/>
-            </a:prstGeom>
-            <a:solidFill>
-              <a:schemeClr val="bg1">
-                <a:alpha val="54000"/>
-              </a:schemeClr>
-            </a:solidFill>
-          </p:spPr>
-          <p:txBody>
-            <a:bodyPr wrap="square" lIns="91440" tIns="45720" rIns="91440" bIns="45720">
-              <a:spAutoFit/>
-            </a:bodyPr>
-            <a:lstStyle/>
-            <a:p>
-              <a:pPr algn="ctr"/>
-              <a:r>
-                <a:rPr lang="zh-TW" altLang="en-US" sz="2400" b="1" cap="none" spc="0" dirty="0">
-                  <a:ln/>
-                  <a:effectLst>
-                    <a:outerShdw blurRad="38100" dist="19050" dir="2700000" algn="tl" rotWithShape="0">
-                      <a:schemeClr val="dk1">
-                        <a:lumMod val="50000"/>
-                        <a:alpha val="40000"/>
-                      </a:schemeClr>
-                    </a:outerShdw>
-                  </a:effectLst>
-                  <a:latin typeface="微軟正黑體 Light" panose="020B0304030504040204" pitchFamily="34" charset="-120"/>
-                  <a:ea typeface="微軟正黑體 Light" panose="020B0304030504040204" pitchFamily="34" charset="-120"/>
-                </a:rPr>
-                <a:t>關卡難度</a:t>
-              </a:r>
-            </a:p>
-          </p:txBody>
-        </p:sp>
-        <p:sp>
-          <p:nvSpPr>
-            <p:cNvPr id="38" name="矩形 37">
-              <a:extLst>
-                <a:ext uri="{FF2B5EF4-FFF2-40B4-BE49-F238E27FC236}">
-                  <a16:creationId xmlns:a16="http://schemas.microsoft.com/office/drawing/2014/main" id="{CFC3988C-E82E-4917-9A8C-46E7DB70C5A7}"/>
-                </a:ext>
-              </a:extLst>
-            </p:cNvPr>
-            <p:cNvSpPr/>
-            <p:nvPr/>
-          </p:nvSpPr>
-          <p:spPr>
-            <a:xfrm>
-              <a:off x="1287579" y="4479834"/>
-              <a:ext cx="1591628" cy="461665"/>
-            </a:xfrm>
-            <a:prstGeom prst="rect">
-              <a:avLst/>
-            </a:prstGeom>
-            <a:solidFill>
-              <a:schemeClr val="bg1">
-                <a:alpha val="54000"/>
-              </a:schemeClr>
-            </a:solidFill>
-          </p:spPr>
-          <p:txBody>
-            <a:bodyPr wrap="square" lIns="91440" tIns="45720" rIns="91440" bIns="45720">
-              <a:spAutoFit/>
-            </a:bodyPr>
-            <a:lstStyle/>
-            <a:p>
-              <a:pPr algn="ctr"/>
-              <a:r>
-                <a:rPr lang="zh-TW" altLang="en-US" sz="2400" b="1" cap="none" spc="0" dirty="0">
-                  <a:ln/>
-                  <a:effectLst>
-                    <a:outerShdw blurRad="38100" dist="19050" dir="2700000" algn="tl" rotWithShape="0">
-                      <a:schemeClr val="dk1">
-                        <a:lumMod val="50000"/>
-                        <a:alpha val="40000"/>
-                      </a:schemeClr>
-                    </a:outerShdw>
-                  </a:effectLst>
-                  <a:latin typeface="微軟正黑體 Light" panose="020B0304030504040204" pitchFamily="34" charset="-120"/>
-                  <a:ea typeface="微軟正黑體 Light" panose="020B0304030504040204" pitchFamily="34" charset="-120"/>
-                </a:rPr>
-                <a:t>關卡聲音</a:t>
-              </a:r>
-            </a:p>
-          </p:txBody>
-        </p:sp>
-        <p:pic>
-          <p:nvPicPr>
-            <p:cNvPr id="40" name="圖片 39">
-              <a:extLst>
-                <a:ext uri="{FF2B5EF4-FFF2-40B4-BE49-F238E27FC236}">
-                  <a16:creationId xmlns:a16="http://schemas.microsoft.com/office/drawing/2014/main" id="{1D8FB6F0-5002-498D-93B5-0AA4CC03FB9C}"/>
-                </a:ext>
-              </a:extLst>
-            </p:cNvPr>
-            <p:cNvPicPr>
-              <a:picLocks noChangeAspect="1"/>
-            </p:cNvPicPr>
-            <p:nvPr/>
-          </p:nvPicPr>
-          <p:blipFill>
-            <a:blip r:embed="rId12">
-              <a:extLst>
-                <a:ext uri="{28A0092B-C50C-407E-A947-70E740481C1C}">
-                  <a14:useLocalDpi xmlns:a14="http://schemas.microsoft.com/office/drawing/2010/main" val="0"/>
-                </a:ext>
-              </a:extLst>
-            </a:blip>
-            <a:stretch>
-              <a:fillRect/>
-            </a:stretch>
-          </p:blipFill>
-          <p:spPr>
-            <a:xfrm>
-              <a:off x="675361" y="6032753"/>
-              <a:ext cx="857143" cy="571429"/>
-            </a:xfrm>
-            <a:prstGeom prst="rect">
-              <a:avLst/>
-            </a:prstGeom>
-          </p:spPr>
-        </p:pic>
-        <p:pic>
-          <p:nvPicPr>
-            <p:cNvPr id="42" name="圖片 41">
-              <a:extLst>
-                <a:ext uri="{FF2B5EF4-FFF2-40B4-BE49-F238E27FC236}">
-                  <a16:creationId xmlns:a16="http://schemas.microsoft.com/office/drawing/2014/main" id="{BB3DB138-7488-48A9-A6C8-0D76E89091BE}"/>
-                </a:ext>
-              </a:extLst>
-            </p:cNvPr>
-            <p:cNvPicPr>
-              <a:picLocks noChangeAspect="1"/>
-            </p:cNvPicPr>
-            <p:nvPr/>
-          </p:nvPicPr>
-          <p:blipFill>
-            <a:blip r:embed="rId13">
-              <a:extLst>
-                <a:ext uri="{28A0092B-C50C-407E-A947-70E740481C1C}">
-                  <a14:useLocalDpi xmlns:a14="http://schemas.microsoft.com/office/drawing/2010/main" val="0"/>
-                </a:ext>
-              </a:extLst>
-            </a:blip>
-            <a:stretch>
-              <a:fillRect/>
-            </a:stretch>
-          </p:blipFill>
-          <p:spPr>
-            <a:xfrm>
-              <a:off x="6279978" y="1986425"/>
-              <a:ext cx="523948" cy="504895"/>
-            </a:xfrm>
-            <a:prstGeom prst="rect">
-              <a:avLst/>
-            </a:prstGeom>
-          </p:spPr>
-        </p:pic>
-        <p:pic>
-          <p:nvPicPr>
-            <p:cNvPr id="44" name="圖片 43">
-              <a:extLst>
-                <a:ext uri="{FF2B5EF4-FFF2-40B4-BE49-F238E27FC236}">
-                  <a16:creationId xmlns:a16="http://schemas.microsoft.com/office/drawing/2014/main" id="{18414757-1716-40DD-8A7C-D978A1241F46}"/>
-                </a:ext>
-              </a:extLst>
-            </p:cNvPr>
-            <p:cNvPicPr>
-              <a:picLocks noChangeAspect="1"/>
-            </p:cNvPicPr>
-            <p:nvPr/>
-          </p:nvPicPr>
-          <p:blipFill>
-            <a:blip r:embed="rId14">
-              <a:extLst>
-                <a:ext uri="{28A0092B-C50C-407E-A947-70E740481C1C}">
-                  <a14:useLocalDpi xmlns:a14="http://schemas.microsoft.com/office/drawing/2010/main" val="0"/>
-                </a:ext>
-              </a:extLst>
-            </a:blip>
-            <a:stretch>
-              <a:fillRect/>
-            </a:stretch>
-          </p:blipFill>
-          <p:spPr>
-            <a:xfrm>
-              <a:off x="4923131" y="2122415"/>
-              <a:ext cx="266737" cy="381053"/>
-            </a:xfrm>
-            <a:prstGeom prst="rect">
-              <a:avLst/>
-            </a:prstGeom>
-          </p:spPr>
-        </p:pic>
-        <p:pic>
-          <p:nvPicPr>
-            <p:cNvPr id="46" name="圖片 45">
-              <a:extLst>
-                <a:ext uri="{FF2B5EF4-FFF2-40B4-BE49-F238E27FC236}">
-                  <a16:creationId xmlns:a16="http://schemas.microsoft.com/office/drawing/2014/main" id="{E11AB877-E558-4182-8E0D-AABB217EC43E}"/>
-                </a:ext>
-              </a:extLst>
-            </p:cNvPr>
-            <p:cNvPicPr>
-              <a:picLocks noChangeAspect="1"/>
-            </p:cNvPicPr>
-            <p:nvPr/>
-          </p:nvPicPr>
-          <p:blipFill>
-            <a:blip r:embed="rId15">
-              <a:extLst>
-                <a:ext uri="{28A0092B-C50C-407E-A947-70E740481C1C}">
-                  <a14:useLocalDpi xmlns:a14="http://schemas.microsoft.com/office/drawing/2010/main" val="0"/>
-                </a:ext>
-              </a:extLst>
-            </a:blip>
-            <a:stretch>
-              <a:fillRect/>
-            </a:stretch>
-          </p:blipFill>
-          <p:spPr>
-            <a:xfrm>
-              <a:off x="6120118" y="444033"/>
-              <a:ext cx="933580" cy="285790"/>
-            </a:xfrm>
-            <a:prstGeom prst="rect">
-              <a:avLst/>
-            </a:prstGeom>
-          </p:spPr>
-        </p:pic>
-        <p:pic>
-          <p:nvPicPr>
-            <p:cNvPr id="48" name="圖片 47">
-              <a:extLst>
-                <a:ext uri="{FF2B5EF4-FFF2-40B4-BE49-F238E27FC236}">
-                  <a16:creationId xmlns:a16="http://schemas.microsoft.com/office/drawing/2014/main" id="{F478D0E3-3912-4E8F-8973-3553BB7BB813}"/>
-                </a:ext>
-              </a:extLst>
-            </p:cNvPr>
-            <p:cNvPicPr>
-              <a:picLocks noChangeAspect="1"/>
-            </p:cNvPicPr>
-            <p:nvPr/>
-          </p:nvPicPr>
-          <p:blipFill>
-            <a:blip r:embed="rId16">
-              <a:extLst>
-                <a:ext uri="{28A0092B-C50C-407E-A947-70E740481C1C}">
-                  <a14:useLocalDpi xmlns:a14="http://schemas.microsoft.com/office/drawing/2010/main" val="0"/>
-                </a:ext>
-              </a:extLst>
-            </a:blip>
-            <a:stretch>
-              <a:fillRect/>
-            </a:stretch>
-          </p:blipFill>
-          <p:spPr>
-            <a:xfrm>
-              <a:off x="639188" y="1530732"/>
-              <a:ext cx="523948" cy="905001"/>
-            </a:xfrm>
-            <a:prstGeom prst="rect">
-              <a:avLst/>
-            </a:prstGeom>
-          </p:spPr>
-        </p:pic>
-        <p:pic>
-          <p:nvPicPr>
-            <p:cNvPr id="50" name="圖片 49">
-              <a:extLst>
-                <a:ext uri="{FF2B5EF4-FFF2-40B4-BE49-F238E27FC236}">
-                  <a16:creationId xmlns:a16="http://schemas.microsoft.com/office/drawing/2014/main" id="{9066A6D3-4FF6-48AA-A035-3E8737E2A214}"/>
-                </a:ext>
-              </a:extLst>
-            </p:cNvPr>
-            <p:cNvPicPr>
-              <a:picLocks noChangeAspect="1"/>
-            </p:cNvPicPr>
-            <p:nvPr/>
-          </p:nvPicPr>
-          <p:blipFill>
-            <a:blip r:embed="rId17">
-              <a:extLst>
-                <a:ext uri="{28A0092B-C50C-407E-A947-70E740481C1C}">
-                  <a14:useLocalDpi xmlns:a14="http://schemas.microsoft.com/office/drawing/2010/main" val="0"/>
-                </a:ext>
-              </a:extLst>
-            </a:blip>
-            <a:stretch>
-              <a:fillRect/>
-            </a:stretch>
-          </p:blipFill>
-          <p:spPr>
-            <a:xfrm>
-              <a:off x="6731035" y="4491999"/>
-              <a:ext cx="442781" cy="385027"/>
-            </a:xfrm>
-            <a:prstGeom prst="rect">
-              <a:avLst/>
-            </a:prstGeom>
-          </p:spPr>
-        </p:pic>
-        <p:pic>
-          <p:nvPicPr>
-            <p:cNvPr id="62" name="圖片 61">
-              <a:extLst>
-                <a:ext uri="{FF2B5EF4-FFF2-40B4-BE49-F238E27FC236}">
-                  <a16:creationId xmlns:a16="http://schemas.microsoft.com/office/drawing/2014/main" id="{69E392AC-7D17-4C30-BD83-ECC397824B4E}"/>
-                </a:ext>
-              </a:extLst>
-            </p:cNvPr>
-            <p:cNvPicPr>
-              <a:picLocks noChangeAspect="1"/>
-            </p:cNvPicPr>
-            <p:nvPr/>
-          </p:nvPicPr>
-          <p:blipFill rotWithShape="1">
-            <a:blip r:embed="rId18">
-              <a:extLst>
-                <a:ext uri="{28A0092B-C50C-407E-A947-70E740481C1C}">
-                  <a14:useLocalDpi xmlns:a14="http://schemas.microsoft.com/office/drawing/2010/main" val="0"/>
-                </a:ext>
-              </a:extLst>
-            </a:blip>
-            <a:srcRect l="12290" t="3984" r="10399" b="798"/>
-            <a:stretch/>
-          </p:blipFill>
-          <p:spPr>
-            <a:xfrm>
-              <a:off x="7228458" y="200165"/>
-              <a:ext cx="5229225" cy="6456511"/>
-            </a:xfrm>
-            <a:prstGeom prst="rect">
-              <a:avLst/>
-            </a:prstGeom>
-          </p:spPr>
-        </p:pic>
-        <p:sp>
-          <p:nvSpPr>
-            <p:cNvPr id="63" name="矩形 62">
-              <a:extLst>
-                <a:ext uri="{FF2B5EF4-FFF2-40B4-BE49-F238E27FC236}">
-                  <a16:creationId xmlns:a16="http://schemas.microsoft.com/office/drawing/2014/main" id="{939C1F34-7745-4BE5-AC50-B8FC295BA327}"/>
-                </a:ext>
-              </a:extLst>
-            </p:cNvPr>
-            <p:cNvSpPr/>
-            <p:nvPr/>
-          </p:nvSpPr>
-          <p:spPr>
-            <a:xfrm>
-              <a:off x="9063713" y="337045"/>
-              <a:ext cx="1591628" cy="461665"/>
-            </a:xfrm>
-            <a:prstGeom prst="rect">
-              <a:avLst/>
-            </a:prstGeom>
-            <a:solidFill>
-              <a:schemeClr val="bg1">
-                <a:alpha val="0"/>
-              </a:schemeClr>
-            </a:solidFill>
-          </p:spPr>
-          <p:txBody>
-            <a:bodyPr wrap="square" lIns="91440" tIns="45720" rIns="91440" bIns="45720">
-              <a:spAutoFit/>
-            </a:bodyPr>
-            <a:lstStyle/>
-            <a:p>
-              <a:pPr algn="ctr"/>
-              <a:r>
-                <a:rPr lang="zh-TW" altLang="en-US" sz="2400" b="1" dirty="0">
-                  <a:ln/>
-                  <a:effectLst>
-                    <a:outerShdw blurRad="38100" dist="19050" dir="2700000" algn="tl" rotWithShape="0">
-                      <a:schemeClr val="dk1">
-                        <a:lumMod val="50000"/>
-                        <a:alpha val="40000"/>
-                      </a:schemeClr>
-                    </a:outerShdw>
-                  </a:effectLst>
-                  <a:latin typeface="微軟正黑體 Light" panose="020B0304030504040204" pitchFamily="34" charset="-120"/>
-                  <a:ea typeface="微軟正黑體 Light" panose="020B0304030504040204" pitchFamily="34" charset="-120"/>
-                </a:rPr>
-                <a:t>排行榜</a:t>
-              </a:r>
-              <a:endParaRPr lang="zh-TW" altLang="en-US" sz="2400" b="1" cap="none" spc="0" dirty="0">
-                <a:ln/>
-                <a:effectLst>
-                  <a:outerShdw blurRad="38100" dist="19050" dir="2700000" algn="tl" rotWithShape="0">
-                    <a:schemeClr val="dk1">
-                      <a:lumMod val="50000"/>
-                      <a:alpha val="40000"/>
-                    </a:schemeClr>
-                  </a:outerShdw>
-                </a:effectLst>
-                <a:latin typeface="微軟正黑體 Light" panose="020B0304030504040204" pitchFamily="34" charset="-120"/>
-                <a:ea typeface="微軟正黑體 Light" panose="020B0304030504040204" pitchFamily="34" charset="-120"/>
-              </a:endParaRPr>
-            </a:p>
-          </p:txBody>
-        </p:sp>
       </p:grpSp>
     </p:spTree>
     <p:extLst>
